--- a/documents/Presentation - Chemistry clash.pptx
+++ b/documents/Presentation - Chemistry clash.pptx
@@ -212,7 +212,7 @@
           <a:p>
             <a:fld id="{5CDD9887-4018-4CE9-92A7-33138C7EC0FB}" type="datetimeFigureOut">
               <a:rPr lang="en-US" smtClean="0"/>
-              <a:t>11/6/2023</a:t>
+              <a:t>11/7/2023</a:t>
             </a:fld>
             <a:endParaRPr lang="en-US"/>
           </a:p>
@@ -626,7 +626,7 @@
           <a:p>
             <a:fld id="{79398311-4AB7-4FB7-92A8-A52E1A8EF309}" type="datetimeFigureOut">
               <a:rPr lang="en-US" smtClean="0"/>
-              <a:t>11/6/2023</a:t>
+              <a:t>11/7/2023</a:t>
             </a:fld>
             <a:endParaRPr lang="en-US"/>
           </a:p>
@@ -824,7 +824,7 @@
           <a:p>
             <a:fld id="{79398311-4AB7-4FB7-92A8-A52E1A8EF309}" type="datetimeFigureOut">
               <a:rPr lang="en-US" smtClean="0"/>
-              <a:t>11/6/2023</a:t>
+              <a:t>11/7/2023</a:t>
             </a:fld>
             <a:endParaRPr lang="en-US"/>
           </a:p>
@@ -1032,7 +1032,7 @@
           <a:p>
             <a:fld id="{79398311-4AB7-4FB7-92A8-A52E1A8EF309}" type="datetimeFigureOut">
               <a:rPr lang="en-US" smtClean="0"/>
-              <a:t>11/6/2023</a:t>
+              <a:t>11/7/2023</a:t>
             </a:fld>
             <a:endParaRPr lang="en-US"/>
           </a:p>
@@ -1230,7 +1230,7 @@
           <a:p>
             <a:fld id="{79398311-4AB7-4FB7-92A8-A52E1A8EF309}" type="datetimeFigureOut">
               <a:rPr lang="en-US" smtClean="0"/>
-              <a:t>11/6/2023</a:t>
+              <a:t>11/7/2023</a:t>
             </a:fld>
             <a:endParaRPr lang="en-US"/>
           </a:p>
@@ -1505,7 +1505,7 @@
           <a:p>
             <a:fld id="{79398311-4AB7-4FB7-92A8-A52E1A8EF309}" type="datetimeFigureOut">
               <a:rPr lang="en-US" smtClean="0"/>
-              <a:t>11/6/2023</a:t>
+              <a:t>11/7/2023</a:t>
             </a:fld>
             <a:endParaRPr lang="en-US"/>
           </a:p>
@@ -1770,7 +1770,7 @@
           <a:p>
             <a:fld id="{79398311-4AB7-4FB7-92A8-A52E1A8EF309}" type="datetimeFigureOut">
               <a:rPr lang="en-US" smtClean="0"/>
-              <a:t>11/6/2023</a:t>
+              <a:t>11/7/2023</a:t>
             </a:fld>
             <a:endParaRPr lang="en-US"/>
           </a:p>
@@ -2182,7 +2182,7 @@
           <a:p>
             <a:fld id="{79398311-4AB7-4FB7-92A8-A52E1A8EF309}" type="datetimeFigureOut">
               <a:rPr lang="en-US" smtClean="0"/>
-              <a:t>11/6/2023</a:t>
+              <a:t>11/7/2023</a:t>
             </a:fld>
             <a:endParaRPr lang="en-US"/>
           </a:p>
@@ -2323,7 +2323,7 @@
           <a:p>
             <a:fld id="{79398311-4AB7-4FB7-92A8-A52E1A8EF309}" type="datetimeFigureOut">
               <a:rPr lang="en-US" smtClean="0"/>
-              <a:t>11/6/2023</a:t>
+              <a:t>11/7/2023</a:t>
             </a:fld>
             <a:endParaRPr lang="en-US"/>
           </a:p>
@@ -2436,7 +2436,7 @@
           <a:p>
             <a:fld id="{79398311-4AB7-4FB7-92A8-A52E1A8EF309}" type="datetimeFigureOut">
               <a:rPr lang="en-US" smtClean="0"/>
-              <a:t>11/6/2023</a:t>
+              <a:t>11/7/2023</a:t>
             </a:fld>
             <a:endParaRPr lang="en-US"/>
           </a:p>
@@ -2747,7 +2747,7 @@
           <a:p>
             <a:fld id="{79398311-4AB7-4FB7-92A8-A52E1A8EF309}" type="datetimeFigureOut">
               <a:rPr lang="en-US" smtClean="0"/>
-              <a:t>11/6/2023</a:t>
+              <a:t>11/7/2023</a:t>
             </a:fld>
             <a:endParaRPr lang="en-US"/>
           </a:p>
@@ -3035,7 +3035,7 @@
           <a:p>
             <a:fld id="{79398311-4AB7-4FB7-92A8-A52E1A8EF309}" type="datetimeFigureOut">
               <a:rPr lang="en-US" smtClean="0"/>
-              <a:t>11/6/2023</a:t>
+              <a:t>11/7/2023</a:t>
             </a:fld>
             <a:endParaRPr lang="en-US"/>
           </a:p>
@@ -3276,7 +3276,7 @@
           <a:p>
             <a:fld id="{79398311-4AB7-4FB7-92A8-A52E1A8EF309}" type="datetimeFigureOut">
               <a:rPr lang="en-US" smtClean="0"/>
-              <a:t>11/6/2023</a:t>
+              <a:t>11/7/2023</a:t>
             </a:fld>
             <a:endParaRPr lang="en-US"/>
           </a:p>
@@ -5112,8 +5112,8 @@
         </p:blipFill>
         <p:spPr>
           <a:xfrm>
-            <a:off x="3595008" y="714897"/>
-            <a:ext cx="5001983" cy="5001983"/>
+            <a:off x="4096334" y="965713"/>
+            <a:ext cx="3999332" cy="3999332"/>
           </a:xfrm>
           <a:prstGeom prst="rect">
             <a:avLst/>
@@ -9760,9 +9760,9 @@
         <p:grpSpPr>
           <a:xfrm>
             <a:off x="-1076330" y="861601"/>
-            <a:ext cx="2051555" cy="884583"/>
+            <a:ext cx="2088932" cy="884583"/>
             <a:chOff x="755167" y="905798"/>
-            <a:chExt cx="2051555" cy="884583"/>
+            <a:chExt cx="2088932" cy="884583"/>
           </a:xfrm>
         </p:grpSpPr>
         <p:sp>
@@ -9851,7 +9851,7 @@
           </p:blipFill>
           <p:spPr>
             <a:xfrm>
-              <a:off x="2033942" y="917952"/>
+              <a:off x="2071319" y="965578"/>
               <a:ext cx="772780" cy="765022"/>
             </a:xfrm>
             <a:prstGeom prst="rect">
@@ -13489,18 +13489,18 @@
 </file>
 
 <file path=customXml/item2.xml><?xml version="1.0" encoding="utf-8"?>
-<p:properties xmlns:p="http://schemas.microsoft.com/office/2006/metadata/properties" xmlns:xsi="http://www.w3.org/2001/XMLSchema-instance" xmlns:pc="http://schemas.microsoft.com/office/infopath/2007/PartnerControls">
-  <documentManagement/>
-</p:properties>
-</file>
-
-<file path=customXml/item3.xml><?xml version="1.0" encoding="utf-8"?>
 <?mso-contentType ?>
 <FormTemplates xmlns="http://schemas.microsoft.com/sharepoint/v3/contenttype/forms">
   <Display>DocumentLibraryForm</Display>
   <Edit>DocumentLibraryForm</Edit>
   <New>DocumentLibraryForm</New>
 </FormTemplates>
+</file>
+
+<file path=customXml/item3.xml><?xml version="1.0" encoding="utf-8"?>
+<p:properties xmlns:p="http://schemas.microsoft.com/office/2006/metadata/properties" xmlns:xsi="http://www.w3.org/2001/XMLSchema-instance" xmlns:pc="http://schemas.microsoft.com/office/infopath/2007/PartnerControls">
+  <documentManagement/>
+</p:properties>
 </file>
 
 <file path=customXml/itemProps1.xml><?xml version="1.0" encoding="utf-8"?>
@@ -13523,6 +13523,14 @@
 </file>
 
 <file path=customXml/itemProps2.xml><?xml version="1.0" encoding="utf-8"?>
+<ds:datastoreItem xmlns:ds="http://schemas.openxmlformats.org/officeDocument/2006/customXml" ds:itemID="{0F8E85DB-CC93-42B5-B825-76D9AB0141F6}">
+  <ds:schemaRefs>
+    <ds:schemaRef ds:uri="http://schemas.microsoft.com/sharepoint/v3/contenttype/forms"/>
+  </ds:schemaRefs>
+</ds:datastoreItem>
+</file>
+
+<file path=customXml/itemProps3.xml><?xml version="1.0" encoding="utf-8"?>
 <ds:datastoreItem xmlns:ds="http://schemas.openxmlformats.org/officeDocument/2006/customXml" ds:itemID="{AF7C0069-64A7-47EC-A2D7-753BF1FD2584}">
   <ds:schemaRefs>
     <ds:schemaRef ds:uri="81b0186a-5304-4fc4-b7ba-08fd66ef1995"/>
@@ -13537,12 +13545,4 @@
     <ds:schemaRef ds:uri="c2ea8659-bc04-4a8d-85a8-e3c83ebd3738"/>
   </ds:schemaRefs>
 </ds:datastoreItem>
-</file>
-
-<file path=customXml/itemProps3.xml><?xml version="1.0" encoding="utf-8"?>
-<ds:datastoreItem xmlns:ds="http://schemas.openxmlformats.org/officeDocument/2006/customXml" ds:itemID="{0F8E85DB-CC93-42B5-B825-76D9AB0141F6}">
-  <ds:schemaRefs>
-    <ds:schemaRef ds:uri="http://schemas.microsoft.com/sharepoint/v3/contenttype/forms"/>
-  </ds:schemaRefs>
-</ds:datastoreItem>
 </file>
--- a/documents/Presentation - Chemistry clash.pptx
+++ b/documents/Presentation - Chemistry clash.pptx
@@ -212,7 +212,7 @@
           <a:p>
             <a:fld id="{5CDD9887-4018-4CE9-92A7-33138C7EC0FB}" type="datetimeFigureOut">
               <a:rPr lang="en-US" smtClean="0"/>
-              <a:t>11/7/2023</a:t>
+              <a:t>11/12/2023</a:t>
             </a:fld>
             <a:endParaRPr lang="en-US"/>
           </a:p>
@@ -626,7 +626,7 @@
           <a:p>
             <a:fld id="{79398311-4AB7-4FB7-92A8-A52E1A8EF309}" type="datetimeFigureOut">
               <a:rPr lang="en-US" smtClean="0"/>
-              <a:t>11/7/2023</a:t>
+              <a:t>11/12/2023</a:t>
             </a:fld>
             <a:endParaRPr lang="en-US"/>
           </a:p>
@@ -824,7 +824,7 @@
           <a:p>
             <a:fld id="{79398311-4AB7-4FB7-92A8-A52E1A8EF309}" type="datetimeFigureOut">
               <a:rPr lang="en-US" smtClean="0"/>
-              <a:t>11/7/2023</a:t>
+              <a:t>11/12/2023</a:t>
             </a:fld>
             <a:endParaRPr lang="en-US"/>
           </a:p>
@@ -1032,7 +1032,7 @@
           <a:p>
             <a:fld id="{79398311-4AB7-4FB7-92A8-A52E1A8EF309}" type="datetimeFigureOut">
               <a:rPr lang="en-US" smtClean="0"/>
-              <a:t>11/7/2023</a:t>
+              <a:t>11/12/2023</a:t>
             </a:fld>
             <a:endParaRPr lang="en-US"/>
           </a:p>
@@ -1230,7 +1230,7 @@
           <a:p>
             <a:fld id="{79398311-4AB7-4FB7-92A8-A52E1A8EF309}" type="datetimeFigureOut">
               <a:rPr lang="en-US" smtClean="0"/>
-              <a:t>11/7/2023</a:t>
+              <a:t>11/12/2023</a:t>
             </a:fld>
             <a:endParaRPr lang="en-US"/>
           </a:p>
@@ -1505,7 +1505,7 @@
           <a:p>
             <a:fld id="{79398311-4AB7-4FB7-92A8-A52E1A8EF309}" type="datetimeFigureOut">
               <a:rPr lang="en-US" smtClean="0"/>
-              <a:t>11/7/2023</a:t>
+              <a:t>11/12/2023</a:t>
             </a:fld>
             <a:endParaRPr lang="en-US"/>
           </a:p>
@@ -1770,7 +1770,7 @@
           <a:p>
             <a:fld id="{79398311-4AB7-4FB7-92A8-A52E1A8EF309}" type="datetimeFigureOut">
               <a:rPr lang="en-US" smtClean="0"/>
-              <a:t>11/7/2023</a:t>
+              <a:t>11/12/2023</a:t>
             </a:fld>
             <a:endParaRPr lang="en-US"/>
           </a:p>
@@ -2182,7 +2182,7 @@
           <a:p>
             <a:fld id="{79398311-4AB7-4FB7-92A8-A52E1A8EF309}" type="datetimeFigureOut">
               <a:rPr lang="en-US" smtClean="0"/>
-              <a:t>11/7/2023</a:t>
+              <a:t>11/12/2023</a:t>
             </a:fld>
             <a:endParaRPr lang="en-US"/>
           </a:p>
@@ -2323,7 +2323,7 @@
           <a:p>
             <a:fld id="{79398311-4AB7-4FB7-92A8-A52E1A8EF309}" type="datetimeFigureOut">
               <a:rPr lang="en-US" smtClean="0"/>
-              <a:t>11/7/2023</a:t>
+              <a:t>11/12/2023</a:t>
             </a:fld>
             <a:endParaRPr lang="en-US"/>
           </a:p>
@@ -2436,7 +2436,7 @@
           <a:p>
             <a:fld id="{79398311-4AB7-4FB7-92A8-A52E1A8EF309}" type="datetimeFigureOut">
               <a:rPr lang="en-US" smtClean="0"/>
-              <a:t>11/7/2023</a:t>
+              <a:t>11/12/2023</a:t>
             </a:fld>
             <a:endParaRPr lang="en-US"/>
           </a:p>
@@ -2747,7 +2747,7 @@
           <a:p>
             <a:fld id="{79398311-4AB7-4FB7-92A8-A52E1A8EF309}" type="datetimeFigureOut">
               <a:rPr lang="en-US" smtClean="0"/>
-              <a:t>11/7/2023</a:t>
+              <a:t>11/12/2023</a:t>
             </a:fld>
             <a:endParaRPr lang="en-US"/>
           </a:p>
@@ -3035,7 +3035,7 @@
           <a:p>
             <a:fld id="{79398311-4AB7-4FB7-92A8-A52E1A8EF309}" type="datetimeFigureOut">
               <a:rPr lang="en-US" smtClean="0"/>
-              <a:t>11/7/2023</a:t>
+              <a:t>11/12/2023</a:t>
             </a:fld>
             <a:endParaRPr lang="en-US"/>
           </a:p>
@@ -3276,7 +3276,7 @@
           <a:p>
             <a:fld id="{79398311-4AB7-4FB7-92A8-A52E1A8EF309}" type="datetimeFigureOut">
               <a:rPr lang="en-US" smtClean="0"/>
-              <a:t>11/7/2023</a:t>
+              <a:t>11/12/2023</a:t>
             </a:fld>
             <a:endParaRPr lang="en-US"/>
           </a:p>
@@ -5230,7 +5230,9 @@
           <a:p>
             <a:r>
               <a:rPr lang="en-US" sz="7000" dirty="0">
-                <a:latin typeface="Impact" panose="020B0806030902050204" pitchFamily="34" charset="0"/>
+                <a:latin typeface="Segoe UI" panose="020B0502040204020203" pitchFamily="34" charset="0"/>
+                <a:ea typeface="Tahoma" panose="020B0604030504040204" pitchFamily="34" charset="0"/>
+                <a:cs typeface="Segoe UI" panose="020B0502040204020203" pitchFamily="34" charset="0"/>
               </a:rPr>
               <a:t>Our team</a:t>
             </a:r>
@@ -6678,8 +6680,8 @@
         </p:nvSpPr>
         <p:spPr>
           <a:xfrm>
-            <a:off x="8344509" y="1379414"/>
-            <a:ext cx="2390775" cy="369332"/>
+            <a:off x="8848046" y="4085698"/>
+            <a:ext cx="1424512" cy="369332"/>
           </a:xfrm>
           <a:prstGeom prst="rect">
             <a:avLst/>
@@ -6694,30 +6696,21 @@
           <a:p>
             <a:r>
               <a:rPr lang="en-US" dirty="0">
-                <a:latin typeface="Impact" panose="020B0806030902050204" pitchFamily="34" charset="0"/>
+                <a:latin typeface="Segoe UI" panose="020B0502040204020203" pitchFamily="34" charset="0"/>
+                <a:cs typeface="Segoe UI" panose="020B0502040204020203" pitchFamily="34" charset="0"/>
               </a:rPr>
               <a:t>Ivan </a:t>
             </a:r>
             <a:r>
               <a:rPr lang="en-US" dirty="0" err="1">
-                <a:latin typeface="Impact" panose="020B0806030902050204" pitchFamily="34" charset="0"/>
-              </a:rPr>
-              <a:t>Doychinov</a:t>
-            </a:r>
-            <a:r>
-              <a:rPr lang="en-US" dirty="0">
-                <a:latin typeface="Impact" panose="020B0806030902050204" pitchFamily="34" charset="0"/>
-              </a:rPr>
-              <a:t> </a:t>
-            </a:r>
-            <a:r>
-              <a:rPr lang="en-US" dirty="0" err="1">
-                <a:latin typeface="Impact" panose="020B0806030902050204" pitchFamily="34" charset="0"/>
+                <a:latin typeface="Segoe UI" panose="020B0502040204020203" pitchFamily="34" charset="0"/>
+                <a:cs typeface="Segoe UI" panose="020B0502040204020203" pitchFamily="34" charset="0"/>
               </a:rPr>
               <a:t>Dochev</a:t>
             </a:r>
             <a:endParaRPr lang="en-US" dirty="0">
-              <a:latin typeface="Impact" panose="020B0806030902050204" pitchFamily="34" charset="0"/>
+              <a:latin typeface="Segoe UI" panose="020B0502040204020203" pitchFamily="34" charset="0"/>
+              <a:cs typeface="Segoe UI" panose="020B0502040204020203" pitchFamily="34" charset="0"/>
             </a:endParaRPr>
           </a:p>
         </p:txBody>
@@ -6736,7 +6729,7 @@
         </p:nvSpPr>
         <p:spPr>
           <a:xfrm>
-            <a:off x="8548864" y="1696741"/>
+            <a:off x="8526959" y="4422208"/>
             <a:ext cx="2066686" cy="369332"/>
           </a:xfrm>
           <a:prstGeom prst="rect">
@@ -6771,8 +6764,8 @@
         </p:nvSpPr>
         <p:spPr>
           <a:xfrm>
-            <a:off x="2399470" y="1379414"/>
-            <a:ext cx="2648980" cy="369332"/>
+            <a:off x="2779443" y="1400343"/>
+            <a:ext cx="1771192" cy="369332"/>
           </a:xfrm>
           <a:prstGeom prst="rect">
             <a:avLst/>
@@ -6787,11 +6780,11 @@
           <a:p>
             <a:r>
               <a:rPr lang="en-US" dirty="0">
-                <a:latin typeface="Impact" panose="020B0806030902050204" pitchFamily="34" charset="0"/>
+                <a:latin typeface="Segoe UI" panose="020B0502040204020203" pitchFamily="34" charset="0"/>
                 <a:ea typeface="Tahoma" panose="020B0604030504040204" pitchFamily="34" charset="0"/>
-                <a:cs typeface="Tahoma" panose="020B0604030504040204" pitchFamily="34" charset="0"/>
+                <a:cs typeface="Segoe UI" panose="020B0502040204020203" pitchFamily="34" charset="0"/>
               </a:rPr>
-              <a:t>Todor Yordanov Atanasov</a:t>
+              <a:t>Todor Atanasov</a:t>
             </a:r>
           </a:p>
         </p:txBody>
@@ -6810,7 +6803,7 @@
         </p:nvSpPr>
         <p:spPr>
           <a:xfrm>
-            <a:off x="2990534" y="1700749"/>
+            <a:off x="2918235" y="1696741"/>
             <a:ext cx="1466850" cy="369332"/>
           </a:xfrm>
           <a:prstGeom prst="rect">
@@ -6845,8 +6838,8 @@
         </p:nvSpPr>
         <p:spPr>
           <a:xfrm>
-            <a:off x="2623907" y="4069635"/>
-            <a:ext cx="2409825" cy="369332"/>
+            <a:off x="2816572" y="4085698"/>
+            <a:ext cx="1670173" cy="369332"/>
           </a:xfrm>
           <a:prstGeom prst="rect">
             <a:avLst/>
@@ -6861,21 +6854,10 @@
           <a:p>
             <a:r>
               <a:rPr lang="en-US" dirty="0">
-                <a:latin typeface="Impact" panose="020B0806030902050204" pitchFamily="34" charset="0"/>
+                <a:latin typeface="Segoe UI" panose="020B0502040204020203" pitchFamily="34" charset="0"/>
+                <a:cs typeface="Segoe UI" panose="020B0502040204020203" pitchFamily="34" charset="0"/>
               </a:rPr>
-              <a:t>Aleks </a:t>
-            </a:r>
-            <a:r>
-              <a:rPr lang="en-US" dirty="0" err="1">
-                <a:latin typeface="Impact" panose="020B0806030902050204" pitchFamily="34" charset="0"/>
-              </a:rPr>
-              <a:t>Zdravkov</a:t>
-            </a:r>
-            <a:r>
-              <a:rPr lang="en-US" dirty="0">
-                <a:latin typeface="Impact" panose="020B0806030902050204" pitchFamily="34" charset="0"/>
-              </a:rPr>
-              <a:t> Kazakov</a:t>
+              <a:t>Aleks Kazakov</a:t>
             </a:r>
           </a:p>
         </p:txBody>
@@ -6894,7 +6876,7 @@
         </p:nvSpPr>
         <p:spPr>
           <a:xfrm>
-            <a:off x="2695001" y="4422208"/>
+            <a:off x="2622702" y="4422208"/>
             <a:ext cx="2057915" cy="369332"/>
           </a:xfrm>
           <a:prstGeom prst="rect">
@@ -6929,8 +6911,8 @@
         </p:nvSpPr>
         <p:spPr>
           <a:xfrm>
-            <a:off x="8464247" y="4069635"/>
-            <a:ext cx="2151303" cy="369332"/>
+            <a:off x="8705092" y="1400343"/>
+            <a:ext cx="1710421" cy="369332"/>
           </a:xfrm>
           <a:prstGeom prst="rect">
             <a:avLst/>
@@ -6945,18 +6927,21 @@
           <a:p>
             <a:r>
               <a:rPr lang="en-US" dirty="0">
-                <a:latin typeface="Impact" panose="020B0806030902050204" pitchFamily="34" charset="0"/>
+                <a:latin typeface="Segoe UI" panose="020B0502040204020203" pitchFamily="34" charset="0"/>
+                <a:cs typeface="Segoe UI" panose="020B0502040204020203" pitchFamily="34" charset="0"/>
               </a:rPr>
-              <a:t>Martin Todor </a:t>
+              <a:t>Martin </a:t>
             </a:r>
             <a:r>
               <a:rPr lang="en-US" dirty="0" err="1">
-                <a:latin typeface="Impact" panose="020B0806030902050204" pitchFamily="34" charset="0"/>
+                <a:latin typeface="Segoe UI" panose="020B0502040204020203" pitchFamily="34" charset="0"/>
+                <a:cs typeface="Segoe UI" panose="020B0502040204020203" pitchFamily="34" charset="0"/>
               </a:rPr>
               <a:t>Nenkov</a:t>
             </a:r>
             <a:endParaRPr lang="en-US" dirty="0">
-              <a:latin typeface="Impact" panose="020B0806030902050204" pitchFamily="34" charset="0"/>
+              <a:latin typeface="Segoe UI" panose="020B0502040204020203" pitchFamily="34" charset="0"/>
+              <a:cs typeface="Segoe UI" panose="020B0502040204020203" pitchFamily="34" charset="0"/>
             </a:endParaRPr>
           </a:p>
         </p:txBody>
@@ -6975,8 +6960,8 @@
         </p:nvSpPr>
         <p:spPr>
           <a:xfrm>
-            <a:off x="8489878" y="4386962"/>
-            <a:ext cx="2151303" cy="369332"/>
+            <a:off x="9052088" y="1641320"/>
+            <a:ext cx="1016431" cy="369332"/>
           </a:xfrm>
           <a:prstGeom prst="rect">
             <a:avLst/>
@@ -6991,7 +6976,7 @@
           <a:p>
             <a:r>
               <a:rPr lang="en-US" dirty="0"/>
-              <a:t>Front-end developer</a:t>
+              <a:t>Designer</a:t>
             </a:r>
           </a:p>
         </p:txBody>
@@ -7071,7 +7056,7 @@
         </p:blipFill>
         <p:spPr>
           <a:xfrm>
-            <a:off x="2695001" y="2079720"/>
+            <a:off x="2695001" y="2106705"/>
             <a:ext cx="1918299" cy="1918299"/>
           </a:xfrm>
           <a:prstGeom prst="rect">
@@ -7107,7 +7092,7 @@
         </p:blipFill>
         <p:spPr>
           <a:xfrm>
-            <a:off x="8584512" y="2158865"/>
+            <a:off x="8601702" y="4794580"/>
             <a:ext cx="1920240" cy="1920240"/>
           </a:xfrm>
           <a:prstGeom prst="rect">
@@ -7179,7 +7164,7 @@
         </p:blipFill>
         <p:spPr>
           <a:xfrm>
-            <a:off x="8584512" y="4791540"/>
+            <a:off x="8598662" y="2101724"/>
             <a:ext cx="1923280" cy="1923280"/>
           </a:xfrm>
           <a:prstGeom prst="rect">
@@ -8673,8 +8658,8 @@
         </p:nvSpPr>
         <p:spPr>
           <a:xfrm>
-            <a:off x="8124826" y="747625"/>
-            <a:ext cx="2171700" cy="707886"/>
+            <a:off x="8124825" y="747625"/>
+            <a:ext cx="2454123" cy="707886"/>
           </a:xfrm>
           <a:prstGeom prst="rect">
             <a:avLst/>
@@ -8692,7 +8677,8 @@
                 <a:solidFill>
                   <a:schemeClr val="bg1"/>
                 </a:solidFill>
-                <a:latin typeface="Impact" panose="020B0806030902050204" pitchFamily="34" charset="0"/>
+                <a:latin typeface="Segoe UI" panose="020B0502040204020203" pitchFamily="34" charset="0"/>
+                <a:cs typeface="Segoe UI" panose="020B0502040204020203" pitchFamily="34" charset="0"/>
               </a:rPr>
               <a:t>The plan!</a:t>
             </a:r>
@@ -9086,7 +9072,8 @@
                 <a:solidFill>
                   <a:schemeClr val="bg1"/>
                 </a:solidFill>
-                <a:latin typeface="Impact" panose="020B0806030902050204" pitchFamily="34" charset="0"/>
+                <a:latin typeface="Segoe UI" panose="020B0502040204020203" pitchFamily="34" charset="0"/>
+                <a:cs typeface="Segoe UI" panose="020B0502040204020203" pitchFamily="34" charset="0"/>
               </a:rPr>
               <a:t>Used Technologies</a:t>
             </a:r>
@@ -11122,46 +11109,6 @@
       </p:grpSpPr>
       <p:sp>
         <p:nvSpPr>
-          <p:cNvPr id="2" name="Title 1">
-            <a:extLst>
-              <a:ext uri="{FF2B5EF4-FFF2-40B4-BE49-F238E27FC236}">
-                <a16:creationId xmlns:a16="http://schemas.microsoft.com/office/drawing/2014/main" id="{9EF4965A-0419-1ED5-97E6-78FB17807940}"/>
-              </a:ext>
-            </a:extLst>
-          </p:cNvPr>
-          <p:cNvSpPr>
-            <a:spLocks noGrp="1"/>
-          </p:cNvSpPr>
-          <p:nvPr>
-            <p:ph type="ctrTitle"/>
-          </p:nvPr>
-        </p:nvSpPr>
-        <p:spPr>
-          <a:xfrm>
-            <a:off x="2410595" y="1843810"/>
-            <a:ext cx="8582504" cy="1328738"/>
-          </a:xfrm>
-        </p:spPr>
-        <p:txBody>
-          <a:bodyPr>
-            <a:normAutofit fontScale="90000"/>
-          </a:bodyPr>
-          <a:lstStyle/>
-          <a:p>
-            <a:r>
-              <a:rPr lang="en-US" sz="7000" dirty="0">
-                <a:solidFill>
-                  <a:schemeClr val="bg1"/>
-                </a:solidFill>
-                <a:latin typeface="Impact" panose="020B0806030902050204" pitchFamily="34" charset="0"/>
-              </a:rPr>
-              <a:t>Thanks for the attention!</a:t>
-            </a:r>
-          </a:p>
-        </p:txBody>
-      </p:sp>
-      <p:sp>
-        <p:nvSpPr>
           <p:cNvPr id="3" name="Freeform: Shape 2">
             <a:extLst>
               <a:ext uri="{FF2B5EF4-FFF2-40B4-BE49-F238E27FC236}">
@@ -12516,8 +12463,8 @@
         </p:nvSpPr>
         <p:spPr>
           <a:xfrm>
-            <a:off x="4790208" y="3767330"/>
-            <a:ext cx="3823277" cy="553998"/>
+            <a:off x="3967546" y="2598003"/>
+            <a:ext cx="6438163" cy="830997"/>
           </a:xfrm>
           <a:prstGeom prst="rect">
             <a:avLst/>
@@ -12531,10 +12478,12 @@
           <a:lstStyle/>
           <a:p>
             <a:r>
-              <a:rPr lang="en-US" sz="3000" dirty="0">
+              <a:rPr lang="en-US" sz="4800" dirty="0">
                 <a:solidFill>
                   <a:schemeClr val="bg1"/>
                 </a:solidFill>
+                <a:latin typeface="Segoe UI" panose="020B0502040204020203" pitchFamily="34" charset="0"/>
+                <a:cs typeface="Segoe UI" panose="020B0502040204020203" pitchFamily="34" charset="0"/>
               </a:rPr>
               <a:t>Let’s jump to the code!</a:t>
             </a:r>
@@ -13489,18 +13438,18 @@
 </file>
 
 <file path=customXml/item2.xml><?xml version="1.0" encoding="utf-8"?>
+<p:properties xmlns:p="http://schemas.microsoft.com/office/2006/metadata/properties" xmlns:xsi="http://www.w3.org/2001/XMLSchema-instance" xmlns:pc="http://schemas.microsoft.com/office/infopath/2007/PartnerControls">
+  <documentManagement/>
+</p:properties>
+</file>
+
+<file path=customXml/item3.xml><?xml version="1.0" encoding="utf-8"?>
 <?mso-contentType ?>
 <FormTemplates xmlns="http://schemas.microsoft.com/sharepoint/v3/contenttype/forms">
   <Display>DocumentLibraryForm</Display>
   <Edit>DocumentLibraryForm</Edit>
   <New>DocumentLibraryForm</New>
 </FormTemplates>
-</file>
-
-<file path=customXml/item3.xml><?xml version="1.0" encoding="utf-8"?>
-<p:properties xmlns:p="http://schemas.microsoft.com/office/2006/metadata/properties" xmlns:xsi="http://www.w3.org/2001/XMLSchema-instance" xmlns:pc="http://schemas.microsoft.com/office/infopath/2007/PartnerControls">
-  <documentManagement/>
-</p:properties>
 </file>
 
 <file path=customXml/itemProps1.xml><?xml version="1.0" encoding="utf-8"?>
@@ -13523,14 +13472,6 @@
 </file>
 
 <file path=customXml/itemProps2.xml><?xml version="1.0" encoding="utf-8"?>
-<ds:datastoreItem xmlns:ds="http://schemas.openxmlformats.org/officeDocument/2006/customXml" ds:itemID="{0F8E85DB-CC93-42B5-B825-76D9AB0141F6}">
-  <ds:schemaRefs>
-    <ds:schemaRef ds:uri="http://schemas.microsoft.com/sharepoint/v3/contenttype/forms"/>
-  </ds:schemaRefs>
-</ds:datastoreItem>
-</file>
-
-<file path=customXml/itemProps3.xml><?xml version="1.0" encoding="utf-8"?>
 <ds:datastoreItem xmlns:ds="http://schemas.openxmlformats.org/officeDocument/2006/customXml" ds:itemID="{AF7C0069-64A7-47EC-A2D7-753BF1FD2584}">
   <ds:schemaRefs>
     <ds:schemaRef ds:uri="81b0186a-5304-4fc4-b7ba-08fd66ef1995"/>
@@ -13545,4 +13486,12 @@
     <ds:schemaRef ds:uri="c2ea8659-bc04-4a8d-85a8-e3c83ebd3738"/>
   </ds:schemaRefs>
 </ds:datastoreItem>
+</file>
+
+<file path=customXml/itemProps3.xml><?xml version="1.0" encoding="utf-8"?>
+<ds:datastoreItem xmlns:ds="http://schemas.openxmlformats.org/officeDocument/2006/customXml" ds:itemID="{0F8E85DB-CC93-42B5-B825-76D9AB0141F6}">
+  <ds:schemaRefs>
+    <ds:schemaRef ds:uri="http://schemas.microsoft.com/sharepoint/v3/contenttype/forms"/>
+  </ds:schemaRefs>
+</ds:datastoreItem>
 </file>
--- a/documents/Presentation - Chemistry clash.pptx
+++ b/documents/Presentation - Chemistry clash.pptx
@@ -5230,9 +5230,9 @@
           <a:p>
             <a:r>
               <a:rPr lang="en-US" sz="7000" dirty="0">
-                <a:latin typeface="Segoe UI" panose="020B0502040204020203" pitchFamily="34" charset="0"/>
+                <a:latin typeface="Helvetica" panose="020B0604020202020204" pitchFamily="34" charset="0"/>
                 <a:ea typeface="Tahoma" panose="020B0604030504040204" pitchFamily="34" charset="0"/>
-                <a:cs typeface="Segoe UI" panose="020B0502040204020203" pitchFamily="34" charset="0"/>
+                <a:cs typeface="Helvetica" panose="020B0604020202020204" pitchFamily="34" charset="0"/>
               </a:rPr>
               <a:t>Our team</a:t>
             </a:r>
@@ -6680,8 +6680,8 @@
         </p:nvSpPr>
         <p:spPr>
           <a:xfrm>
-            <a:off x="8848046" y="4085698"/>
-            <a:ext cx="1424512" cy="369332"/>
+            <a:off x="8839038" y="4085698"/>
+            <a:ext cx="1460520" cy="369332"/>
           </a:xfrm>
           <a:prstGeom prst="rect">
             <a:avLst/>
@@ -6696,21 +6696,21 @@
           <a:p>
             <a:r>
               <a:rPr lang="en-US" dirty="0">
-                <a:latin typeface="Segoe UI" panose="020B0502040204020203" pitchFamily="34" charset="0"/>
-                <a:cs typeface="Segoe UI" panose="020B0502040204020203" pitchFamily="34" charset="0"/>
+                <a:latin typeface="Helvetica" panose="020B0604020202020204" pitchFamily="34" charset="0"/>
+                <a:cs typeface="Helvetica" panose="020B0604020202020204" pitchFamily="34" charset="0"/>
               </a:rPr>
               <a:t>Ivan </a:t>
             </a:r>
             <a:r>
               <a:rPr lang="en-US" dirty="0" err="1">
-                <a:latin typeface="Segoe UI" panose="020B0502040204020203" pitchFamily="34" charset="0"/>
-                <a:cs typeface="Segoe UI" panose="020B0502040204020203" pitchFamily="34" charset="0"/>
+                <a:latin typeface="Helvetica" panose="020B0604020202020204" pitchFamily="34" charset="0"/>
+                <a:cs typeface="Helvetica" panose="020B0604020202020204" pitchFamily="34" charset="0"/>
               </a:rPr>
               <a:t>Dochev</a:t>
             </a:r>
             <a:endParaRPr lang="en-US" dirty="0">
-              <a:latin typeface="Segoe UI" panose="020B0502040204020203" pitchFamily="34" charset="0"/>
-              <a:cs typeface="Segoe UI" panose="020B0502040204020203" pitchFamily="34" charset="0"/>
+              <a:latin typeface="Helvetica" panose="020B0604020202020204" pitchFamily="34" charset="0"/>
+              <a:cs typeface="Helvetica" panose="020B0604020202020204" pitchFamily="34" charset="0"/>
             </a:endParaRPr>
           </a:p>
         </p:txBody>
@@ -6780,9 +6780,9 @@
           <a:p>
             <a:r>
               <a:rPr lang="en-US" dirty="0">
-                <a:latin typeface="Segoe UI" panose="020B0502040204020203" pitchFamily="34" charset="0"/>
+                <a:latin typeface="Helvetica" panose="020B0604020202020204" pitchFamily="34" charset="0"/>
                 <a:ea typeface="Tahoma" panose="020B0604030504040204" pitchFamily="34" charset="0"/>
-                <a:cs typeface="Segoe UI" panose="020B0502040204020203" pitchFamily="34" charset="0"/>
+                <a:cs typeface="Helvetica" panose="020B0604020202020204" pitchFamily="34" charset="0"/>
               </a:rPr>
               <a:t>Todor Atanasov</a:t>
             </a:r>
@@ -6839,7 +6839,7 @@
         <p:spPr>
           <a:xfrm>
             <a:off x="2816572" y="4085698"/>
-            <a:ext cx="1670173" cy="369332"/>
+            <a:ext cx="1734063" cy="369332"/>
           </a:xfrm>
           <a:prstGeom prst="rect">
             <a:avLst/>
@@ -6854,8 +6854,8 @@
           <a:p>
             <a:r>
               <a:rPr lang="en-US" dirty="0">
-                <a:latin typeface="Segoe UI" panose="020B0502040204020203" pitchFamily="34" charset="0"/>
-                <a:cs typeface="Segoe UI" panose="020B0502040204020203" pitchFamily="34" charset="0"/>
+                <a:latin typeface="Helvetica" panose="020B0604020202020204" pitchFamily="34" charset="0"/>
+                <a:cs typeface="Helvetica" panose="020B0604020202020204" pitchFamily="34" charset="0"/>
               </a:rPr>
               <a:t>Aleks Kazakov</a:t>
             </a:r>
@@ -6927,21 +6927,21 @@
           <a:p>
             <a:r>
               <a:rPr lang="en-US" dirty="0">
-                <a:latin typeface="Segoe UI" panose="020B0502040204020203" pitchFamily="34" charset="0"/>
-                <a:cs typeface="Segoe UI" panose="020B0502040204020203" pitchFamily="34" charset="0"/>
+                <a:latin typeface="Helvetica" panose="020B0604020202020204" pitchFamily="34" charset="0"/>
+                <a:cs typeface="Helvetica" panose="020B0604020202020204" pitchFamily="34" charset="0"/>
               </a:rPr>
               <a:t>Martin </a:t>
             </a:r>
             <a:r>
               <a:rPr lang="en-US" dirty="0" err="1">
-                <a:latin typeface="Segoe UI" panose="020B0502040204020203" pitchFamily="34" charset="0"/>
-                <a:cs typeface="Segoe UI" panose="020B0502040204020203" pitchFamily="34" charset="0"/>
+                <a:latin typeface="Helvetica" panose="020B0604020202020204" pitchFamily="34" charset="0"/>
+                <a:cs typeface="Helvetica" panose="020B0604020202020204" pitchFamily="34" charset="0"/>
               </a:rPr>
               <a:t>Nenkov</a:t>
             </a:r>
             <a:endParaRPr lang="en-US" dirty="0">
-              <a:latin typeface="Segoe UI" panose="020B0502040204020203" pitchFamily="34" charset="0"/>
-              <a:cs typeface="Segoe UI" panose="020B0502040204020203" pitchFamily="34" charset="0"/>
+              <a:latin typeface="Helvetica" panose="020B0604020202020204" pitchFamily="34" charset="0"/>
+              <a:cs typeface="Helvetica" panose="020B0604020202020204" pitchFamily="34" charset="0"/>
             </a:endParaRPr>
           </a:p>
         </p:txBody>
@@ -8677,8 +8677,8 @@
                 <a:solidFill>
                   <a:schemeClr val="bg1"/>
                 </a:solidFill>
-                <a:latin typeface="Segoe UI" panose="020B0502040204020203" pitchFamily="34" charset="0"/>
-                <a:cs typeface="Segoe UI" panose="020B0502040204020203" pitchFamily="34" charset="0"/>
+                <a:latin typeface="Helvetica" panose="020B0604020202020204" pitchFamily="34" charset="0"/>
+                <a:cs typeface="Helvetica" panose="020B0604020202020204" pitchFamily="34" charset="0"/>
               </a:rPr>
               <a:t>The plan!</a:t>
             </a:r>
@@ -9072,8 +9072,8 @@
                 <a:solidFill>
                   <a:schemeClr val="bg1"/>
                 </a:solidFill>
-                <a:latin typeface="Segoe UI" panose="020B0502040204020203" pitchFamily="34" charset="0"/>
-                <a:cs typeface="Segoe UI" panose="020B0502040204020203" pitchFamily="34" charset="0"/>
+                <a:latin typeface="Helvetica" panose="020B0604020202020204" pitchFamily="34" charset="0"/>
+                <a:cs typeface="Helvetica" panose="020B0604020202020204" pitchFamily="34" charset="0"/>
               </a:rPr>
               <a:t>Used Technologies</a:t>
             </a:r>
@@ -12463,7 +12463,7 @@
         </p:nvSpPr>
         <p:spPr>
           <a:xfrm>
-            <a:off x="3967546" y="2598003"/>
+            <a:off x="3743260" y="2598003"/>
             <a:ext cx="6438163" cy="830997"/>
           </a:xfrm>
           <a:prstGeom prst="rect">
@@ -12482,8 +12482,8 @@
                 <a:solidFill>
                   <a:schemeClr val="bg1"/>
                 </a:solidFill>
-                <a:latin typeface="Segoe UI" panose="020B0502040204020203" pitchFamily="34" charset="0"/>
-                <a:cs typeface="Segoe UI" panose="020B0502040204020203" pitchFamily="34" charset="0"/>
+                <a:latin typeface="Helvetica" panose="020B0604020202020204" pitchFamily="34" charset="0"/>
+                <a:cs typeface="Helvetica" panose="020B0604020202020204" pitchFamily="34" charset="0"/>
               </a:rPr>
               <a:t>Let’s jump to the code!</a:t>
             </a:r>
@@ -13438,18 +13438,18 @@
 </file>
 
 <file path=customXml/item2.xml><?xml version="1.0" encoding="utf-8"?>
-<p:properties xmlns:p="http://schemas.microsoft.com/office/2006/metadata/properties" xmlns:xsi="http://www.w3.org/2001/XMLSchema-instance" xmlns:pc="http://schemas.microsoft.com/office/infopath/2007/PartnerControls">
-  <documentManagement/>
-</p:properties>
-</file>
-
-<file path=customXml/item3.xml><?xml version="1.0" encoding="utf-8"?>
 <?mso-contentType ?>
 <FormTemplates xmlns="http://schemas.microsoft.com/sharepoint/v3/contenttype/forms">
   <Display>DocumentLibraryForm</Display>
   <Edit>DocumentLibraryForm</Edit>
   <New>DocumentLibraryForm</New>
 </FormTemplates>
+</file>
+
+<file path=customXml/item3.xml><?xml version="1.0" encoding="utf-8"?>
+<p:properties xmlns:p="http://schemas.microsoft.com/office/2006/metadata/properties" xmlns:xsi="http://www.w3.org/2001/XMLSchema-instance" xmlns:pc="http://schemas.microsoft.com/office/infopath/2007/PartnerControls">
+  <documentManagement/>
+</p:properties>
 </file>
 
 <file path=customXml/itemProps1.xml><?xml version="1.0" encoding="utf-8"?>
@@ -13472,6 +13472,14 @@
 </file>
 
 <file path=customXml/itemProps2.xml><?xml version="1.0" encoding="utf-8"?>
+<ds:datastoreItem xmlns:ds="http://schemas.openxmlformats.org/officeDocument/2006/customXml" ds:itemID="{0F8E85DB-CC93-42B5-B825-76D9AB0141F6}">
+  <ds:schemaRefs>
+    <ds:schemaRef ds:uri="http://schemas.microsoft.com/sharepoint/v3/contenttype/forms"/>
+  </ds:schemaRefs>
+</ds:datastoreItem>
+</file>
+
+<file path=customXml/itemProps3.xml><?xml version="1.0" encoding="utf-8"?>
 <ds:datastoreItem xmlns:ds="http://schemas.openxmlformats.org/officeDocument/2006/customXml" ds:itemID="{AF7C0069-64A7-47EC-A2D7-753BF1FD2584}">
   <ds:schemaRefs>
     <ds:schemaRef ds:uri="81b0186a-5304-4fc4-b7ba-08fd66ef1995"/>
@@ -13486,12 +13494,4 @@
     <ds:schemaRef ds:uri="c2ea8659-bc04-4a8d-85a8-e3c83ebd3738"/>
   </ds:schemaRefs>
 </ds:datastoreItem>
-</file>
-
-<file path=customXml/itemProps3.xml><?xml version="1.0" encoding="utf-8"?>
-<ds:datastoreItem xmlns:ds="http://schemas.openxmlformats.org/officeDocument/2006/customXml" ds:itemID="{0F8E85DB-CC93-42B5-B825-76D9AB0141F6}">
-  <ds:schemaRefs>
-    <ds:schemaRef ds:uri="http://schemas.microsoft.com/sharepoint/v3/contenttype/forms"/>
-  </ds:schemaRefs>
-</ds:datastoreItem>
 </file>